--- a/data/supply_chain_presentation_final.pptx
+++ b/data/supply_chain_presentation_final.pptx
@@ -9,7 +9,8 @@
     <p:sldId id="257" r:id="rId3"/>
     <p:sldId id="258" r:id="rId4"/>
     <p:sldId id="259" r:id="rId5"/>
-    <p:sldId id="261" r:id="rId6"/>
+    <p:sldId id="262" r:id="rId6"/>
+    <p:sldId id="261" r:id="rId7"/>
   </p:sldIdLst>
   <p:sldSz cx="9144000" cy="6858000" type="screen4x3"/>
   <p:notesSz cx="6858000" cy="9144000"/>
@@ -184,7 +185,7 @@
           <a:noFill/>
           <a:extLst>
             <a:ext uri="{909E8E84-426E-40dd-AFC4-6F175D3DCCD1}">
-              <a14:hiddenFill xmlns:a14="http://schemas.microsoft.com/office/drawing/2010/main" xmlns="">
+              <a14:hiddenFill xmlns="" xmlns:a14="http://schemas.microsoft.com/office/drawing/2010/main">
                 <a:solidFill>
                   <a:srgbClr val="FFFFFF"/>
                 </a:solidFill>
@@ -244,7 +245,7 @@
             </a:ln>
             <a:extLst>
               <a:ext uri="{91240B29-F687-4f45-9708-019B960494DF}">
-                <a14:hiddenLine xmlns:a14="http://schemas.microsoft.com/office/drawing/2010/main" xmlns="" w="9525">
+                <a14:hiddenLine xmlns="" xmlns:a14="http://schemas.microsoft.com/office/drawing/2010/main" w="9525">
                   <a:solidFill>
                     <a:srgbClr val="000000"/>
                   </a:solidFill>
@@ -334,7 +335,7 @@
             </a:ln>
             <a:extLst>
               <a:ext uri="{91240B29-F687-4f45-9708-019B960494DF}">
-                <a14:hiddenLine xmlns:a14="http://schemas.microsoft.com/office/drawing/2010/main" xmlns="" w="9525">
+                <a14:hiddenLine xmlns="" xmlns:a14="http://schemas.microsoft.com/office/drawing/2010/main" w="9525">
                   <a:solidFill>
                     <a:srgbClr val="000000"/>
                   </a:solidFill>
@@ -424,7 +425,7 @@
             </a:ln>
             <a:extLst>
               <a:ext uri="{91240B29-F687-4f45-9708-019B960494DF}">
-                <a14:hiddenLine xmlns:a14="http://schemas.microsoft.com/office/drawing/2010/main" xmlns="" w="9525">
+                <a14:hiddenLine xmlns="" xmlns:a14="http://schemas.microsoft.com/office/drawing/2010/main" w="9525">
                   <a:solidFill>
                     <a:srgbClr val="000000"/>
                   </a:solidFill>
@@ -458,7 +459,7 @@
             </a:ln>
             <a:extLst>
               <a:ext uri="{91240B29-F687-4f45-9708-019B960494DF}">
-                <a14:hiddenLine xmlns:a14="http://schemas.microsoft.com/office/drawing/2010/main" xmlns="" w="9525">
+                <a14:hiddenLine xmlns="" xmlns:a14="http://schemas.microsoft.com/office/drawing/2010/main" w="9525">
                   <a:solidFill>
                     <a:srgbClr val="000000"/>
                   </a:solidFill>
@@ -548,7 +549,7 @@
             </a:ln>
             <a:extLst>
               <a:ext uri="{91240B29-F687-4f45-9708-019B960494DF}">
-                <a14:hiddenLine xmlns:a14="http://schemas.microsoft.com/office/drawing/2010/main" xmlns="" w="9525">
+                <a14:hiddenLine xmlns="" xmlns:a14="http://schemas.microsoft.com/office/drawing/2010/main" w="9525">
                   <a:solidFill>
                     <a:srgbClr val="000000"/>
                   </a:solidFill>
@@ -610,7 +611,7 @@
             </a:ln>
             <a:extLst>
               <a:ext uri="{91240B29-F687-4f45-9708-019B960494DF}">
-                <a14:hiddenLine xmlns:a14="http://schemas.microsoft.com/office/drawing/2010/main" xmlns="" w="9525">
+                <a14:hiddenLine xmlns="" xmlns:a14="http://schemas.microsoft.com/office/drawing/2010/main" w="9525">
                   <a:solidFill>
                     <a:srgbClr val="000000"/>
                   </a:solidFill>
@@ -672,7 +673,7 @@
             </a:ln>
             <a:extLst>
               <a:ext uri="{91240B29-F687-4f45-9708-019B960494DF}">
-                <a14:hiddenLine xmlns:a14="http://schemas.microsoft.com/office/drawing/2010/main" xmlns="" w="9525">
+                <a14:hiddenLine xmlns="" xmlns:a14="http://schemas.microsoft.com/office/drawing/2010/main" w="9525">
                   <a:solidFill>
                     <a:srgbClr val="000000"/>
                   </a:solidFill>
@@ -762,7 +763,7 @@
             </a:ln>
             <a:extLst>
               <a:ext uri="{91240B29-F687-4f45-9708-019B960494DF}">
-                <a14:hiddenLine xmlns:a14="http://schemas.microsoft.com/office/drawing/2010/main" xmlns="" w="9525">
+                <a14:hiddenLine xmlns="" xmlns:a14="http://schemas.microsoft.com/office/drawing/2010/main" w="9525">
                   <a:solidFill>
                     <a:srgbClr val="000000"/>
                   </a:solidFill>
@@ -824,7 +825,7 @@
             </a:ln>
             <a:extLst>
               <a:ext uri="{91240B29-F687-4f45-9708-019B960494DF}">
-                <a14:hiddenLine xmlns:a14="http://schemas.microsoft.com/office/drawing/2010/main" xmlns="" w="9525">
+                <a14:hiddenLine xmlns="" xmlns:a14="http://schemas.microsoft.com/office/drawing/2010/main" w="9525">
                   <a:solidFill>
                     <a:srgbClr val="000000"/>
                   </a:solidFill>
@@ -886,7 +887,7 @@
             </a:ln>
             <a:extLst>
               <a:ext uri="{91240B29-F687-4f45-9708-019B960494DF}">
-                <a14:hiddenLine xmlns:a14="http://schemas.microsoft.com/office/drawing/2010/main" xmlns="" w="9525">
+                <a14:hiddenLine xmlns="" xmlns:a14="http://schemas.microsoft.com/office/drawing/2010/main" w="9525">
                   <a:solidFill>
                     <a:srgbClr val="000000"/>
                   </a:solidFill>
@@ -976,7 +977,7 @@
             </a:ln>
             <a:extLst>
               <a:ext uri="{91240B29-F687-4f45-9708-019B960494DF}">
-                <a14:hiddenLine xmlns:a14="http://schemas.microsoft.com/office/drawing/2010/main" xmlns="" w="9525">
+                <a14:hiddenLine xmlns="" xmlns:a14="http://schemas.microsoft.com/office/drawing/2010/main" w="9525">
                   <a:solidFill>
                     <a:srgbClr val="000000"/>
                   </a:solidFill>
@@ -1066,7 +1067,7 @@
             </a:ln>
             <a:extLst>
               <a:ext uri="{91240B29-F687-4f45-9708-019B960494DF}">
-                <a14:hiddenLine xmlns:a14="http://schemas.microsoft.com/office/drawing/2010/main" xmlns="" w="9525">
+                <a14:hiddenLine xmlns="" xmlns:a14="http://schemas.microsoft.com/office/drawing/2010/main" w="9525">
                   <a:solidFill>
                     <a:srgbClr val="000000"/>
                   </a:solidFill>
@@ -1128,7 +1129,7 @@
             </a:ln>
             <a:extLst>
               <a:ext uri="{91240B29-F687-4f45-9708-019B960494DF}">
-                <a14:hiddenLine xmlns:a14="http://schemas.microsoft.com/office/drawing/2010/main" xmlns="" w="9525">
+                <a14:hiddenLine xmlns="" xmlns:a14="http://schemas.microsoft.com/office/drawing/2010/main" w="9525">
                   <a:solidFill>
                     <a:srgbClr val="000000"/>
                   </a:solidFill>
@@ -1238,7 +1239,7 @@
             </a:ln>
             <a:extLst>
               <a:ext uri="{91240B29-F687-4f45-9708-019B960494DF}">
-                <a14:hiddenLine xmlns:a14="http://schemas.microsoft.com/office/drawing/2010/main" xmlns="" w="9525">
+                <a14:hiddenLine xmlns="" xmlns:a14="http://schemas.microsoft.com/office/drawing/2010/main" w="9525">
                   <a:solidFill>
                     <a:srgbClr val="000000"/>
                   </a:solidFill>
@@ -1300,7 +1301,7 @@
             </a:ln>
             <a:extLst>
               <a:ext uri="{91240B29-F687-4f45-9708-019B960494DF}">
-                <a14:hiddenLine xmlns:a14="http://schemas.microsoft.com/office/drawing/2010/main" xmlns="" w="9525">
+                <a14:hiddenLine xmlns="" xmlns:a14="http://schemas.microsoft.com/office/drawing/2010/main" w="9525">
                   <a:solidFill>
                     <a:srgbClr val="000000"/>
                   </a:solidFill>
@@ -1390,7 +1391,7 @@
             </a:ln>
             <a:extLst>
               <a:ext uri="{91240B29-F687-4f45-9708-019B960494DF}">
-                <a14:hiddenLine xmlns:a14="http://schemas.microsoft.com/office/drawing/2010/main" xmlns="" w="9525">
+                <a14:hiddenLine xmlns="" xmlns:a14="http://schemas.microsoft.com/office/drawing/2010/main" w="9525">
                   <a:solidFill>
                     <a:srgbClr val="000000"/>
                   </a:solidFill>
@@ -1480,7 +1481,7 @@
             </a:ln>
             <a:extLst>
               <a:ext uri="{91240B29-F687-4f45-9708-019B960494DF}">
-                <a14:hiddenLine xmlns:a14="http://schemas.microsoft.com/office/drawing/2010/main" xmlns="" w="9525">
+                <a14:hiddenLine xmlns="" xmlns:a14="http://schemas.microsoft.com/office/drawing/2010/main" w="9525">
                   <a:solidFill>
                     <a:srgbClr val="000000"/>
                   </a:solidFill>
@@ -1542,7 +1543,7 @@
             </a:ln>
             <a:extLst>
               <a:ext uri="{91240B29-F687-4f45-9708-019B960494DF}">
-                <a14:hiddenLine xmlns:a14="http://schemas.microsoft.com/office/drawing/2010/main" xmlns="" w="9525">
+                <a14:hiddenLine xmlns="" xmlns:a14="http://schemas.microsoft.com/office/drawing/2010/main" w="9525">
                   <a:solidFill>
                     <a:srgbClr val="000000"/>
                   </a:solidFill>
@@ -1632,7 +1633,7 @@
             </a:ln>
             <a:extLst>
               <a:ext uri="{91240B29-F687-4f45-9708-019B960494DF}">
-                <a14:hiddenLine xmlns:a14="http://schemas.microsoft.com/office/drawing/2010/main" xmlns="" w="9525">
+                <a14:hiddenLine xmlns="" xmlns:a14="http://schemas.microsoft.com/office/drawing/2010/main" w="9525">
                   <a:solidFill>
                     <a:srgbClr val="000000"/>
                   </a:solidFill>
@@ -1722,7 +1723,7 @@
             </a:ln>
             <a:extLst>
               <a:ext uri="{91240B29-F687-4f45-9708-019B960494DF}">
-                <a14:hiddenLine xmlns:a14="http://schemas.microsoft.com/office/drawing/2010/main" xmlns="" w="9525">
+                <a14:hiddenLine xmlns="" xmlns:a14="http://schemas.microsoft.com/office/drawing/2010/main" w="9525">
                   <a:solidFill>
                     <a:srgbClr val="000000"/>
                   </a:solidFill>
@@ -1778,7 +1779,7 @@
             </a:ln>
             <a:extLst>
               <a:ext uri="{91240B29-F687-4f45-9708-019B960494DF}">
-                <a14:hiddenLine xmlns:a14="http://schemas.microsoft.com/office/drawing/2010/main" xmlns="" w="9525">
+                <a14:hiddenLine xmlns="" xmlns:a14="http://schemas.microsoft.com/office/drawing/2010/main" w="9525">
                   <a:solidFill>
                     <a:srgbClr val="000000"/>
                   </a:solidFill>
@@ -1868,7 +1869,7 @@
             </a:ln>
             <a:extLst>
               <a:ext uri="{91240B29-F687-4f45-9708-019B960494DF}">
-                <a14:hiddenLine xmlns:a14="http://schemas.microsoft.com/office/drawing/2010/main" xmlns="" w="9525">
+                <a14:hiddenLine xmlns="" xmlns:a14="http://schemas.microsoft.com/office/drawing/2010/main" w="9525">
                   <a:solidFill>
                     <a:srgbClr val="000000"/>
                   </a:solidFill>
@@ -1924,7 +1925,7 @@
             </a:ln>
             <a:extLst>
               <a:ext uri="{91240B29-F687-4f45-9708-019B960494DF}">
-                <a14:hiddenLine xmlns:a14="http://schemas.microsoft.com/office/drawing/2010/main" xmlns="" w="9525">
+                <a14:hiddenLine xmlns="" xmlns:a14="http://schemas.microsoft.com/office/drawing/2010/main" w="9525">
                   <a:solidFill>
                     <a:srgbClr val="000000"/>
                   </a:solidFill>
@@ -2014,7 +2015,7 @@
             </a:ln>
             <a:extLst>
               <a:ext uri="{91240B29-F687-4f45-9708-019B960494DF}">
-                <a14:hiddenLine xmlns:a14="http://schemas.microsoft.com/office/drawing/2010/main" xmlns="" w="9525">
+                <a14:hiddenLine xmlns="" xmlns:a14="http://schemas.microsoft.com/office/drawing/2010/main" w="9525">
                   <a:solidFill>
                     <a:srgbClr val="000000"/>
                   </a:solidFill>
@@ -2082,7 +2083,7 @@
             </a:ln>
             <a:extLst>
               <a:ext uri="{91240B29-F687-4f45-9708-019B960494DF}">
-                <a14:hiddenLine xmlns:a14="http://schemas.microsoft.com/office/drawing/2010/main" xmlns="" w="9525">
+                <a14:hiddenLine xmlns="" xmlns:a14="http://schemas.microsoft.com/office/drawing/2010/main" w="9525">
                   <a:solidFill>
                     <a:srgbClr val="000000"/>
                   </a:solidFill>
@@ -2172,7 +2173,7 @@
             </a:ln>
             <a:extLst>
               <a:ext uri="{91240B29-F687-4f45-9708-019B960494DF}">
-                <a14:hiddenLine xmlns:a14="http://schemas.microsoft.com/office/drawing/2010/main" xmlns="" w="9525">
+                <a14:hiddenLine xmlns="" xmlns:a14="http://schemas.microsoft.com/office/drawing/2010/main" w="9525">
                   <a:solidFill>
                     <a:srgbClr val="000000"/>
                   </a:solidFill>
@@ -2240,7 +2241,7 @@
             </a:ln>
             <a:extLst>
               <a:ext uri="{91240B29-F687-4f45-9708-019B960494DF}">
-                <a14:hiddenLine xmlns:a14="http://schemas.microsoft.com/office/drawing/2010/main" xmlns="" w="9525">
+                <a14:hiddenLine xmlns="" xmlns:a14="http://schemas.microsoft.com/office/drawing/2010/main" w="9525">
                   <a:solidFill>
                     <a:srgbClr val="000000"/>
                   </a:solidFill>
@@ -2330,7 +2331,7 @@
             </a:ln>
             <a:extLst>
               <a:ext uri="{91240B29-F687-4f45-9708-019B960494DF}">
-                <a14:hiddenLine xmlns:a14="http://schemas.microsoft.com/office/drawing/2010/main" xmlns="" w="9525">
+                <a14:hiddenLine xmlns="" xmlns:a14="http://schemas.microsoft.com/office/drawing/2010/main" w="9525">
                   <a:solidFill>
                     <a:srgbClr val="000000"/>
                   </a:solidFill>
@@ -2364,7 +2365,7 @@
             </a:ln>
             <a:extLst>
               <a:ext uri="{91240B29-F687-4f45-9708-019B960494DF}">
-                <a14:hiddenLine xmlns:a14="http://schemas.microsoft.com/office/drawing/2010/main" xmlns="" w="9525">
+                <a14:hiddenLine xmlns="" xmlns:a14="http://schemas.microsoft.com/office/drawing/2010/main" w="9525">
                   <a:solidFill>
                     <a:srgbClr val="000000"/>
                   </a:solidFill>
@@ -2454,7 +2455,7 @@
             </a:ln>
             <a:extLst>
               <a:ext uri="{91240B29-F687-4f45-9708-019B960494DF}">
-                <a14:hiddenLine xmlns:a14="http://schemas.microsoft.com/office/drawing/2010/main" xmlns="" w="9525">
+                <a14:hiddenLine xmlns="" xmlns:a14="http://schemas.microsoft.com/office/drawing/2010/main" w="9525">
                   <a:solidFill>
                     <a:srgbClr val="000000"/>
                   </a:solidFill>
@@ -2516,7 +2517,7 @@
             </a:ln>
             <a:extLst>
               <a:ext uri="{91240B29-F687-4f45-9708-019B960494DF}">
-                <a14:hiddenLine xmlns:a14="http://schemas.microsoft.com/office/drawing/2010/main" xmlns="" w="9525">
+                <a14:hiddenLine xmlns="" xmlns:a14="http://schemas.microsoft.com/office/drawing/2010/main" w="9525">
                   <a:solidFill>
                     <a:srgbClr val="000000"/>
                   </a:solidFill>
@@ -2578,7 +2579,7 @@
             </a:ln>
             <a:extLst>
               <a:ext uri="{91240B29-F687-4f45-9708-019B960494DF}">
-                <a14:hiddenLine xmlns:a14="http://schemas.microsoft.com/office/drawing/2010/main" xmlns="" w="9525">
+                <a14:hiddenLine xmlns="" xmlns:a14="http://schemas.microsoft.com/office/drawing/2010/main" w="9525">
                   <a:solidFill>
                     <a:srgbClr val="000000"/>
                   </a:solidFill>
@@ -2668,7 +2669,7 @@
             </a:ln>
             <a:extLst>
               <a:ext uri="{91240B29-F687-4f45-9708-019B960494DF}">
-                <a14:hiddenLine xmlns:a14="http://schemas.microsoft.com/office/drawing/2010/main" xmlns="" w="9525">
+                <a14:hiddenLine xmlns="" xmlns:a14="http://schemas.microsoft.com/office/drawing/2010/main" w="9525">
                   <a:solidFill>
                     <a:srgbClr val="000000"/>
                   </a:solidFill>
@@ -2736,7 +2737,7 @@
             </a:ln>
             <a:extLst>
               <a:ext uri="{91240B29-F687-4f45-9708-019B960494DF}">
-                <a14:hiddenLine xmlns:a14="http://schemas.microsoft.com/office/drawing/2010/main" xmlns="" w="9525">
+                <a14:hiddenLine xmlns="" xmlns:a14="http://schemas.microsoft.com/office/drawing/2010/main" w="9525">
                   <a:solidFill>
                     <a:srgbClr val="000000"/>
                   </a:solidFill>
@@ -2798,7 +2799,7 @@
             </a:ln>
             <a:extLst>
               <a:ext uri="{91240B29-F687-4f45-9708-019B960494DF}">
-                <a14:hiddenLine xmlns:a14="http://schemas.microsoft.com/office/drawing/2010/main" xmlns="" w="9525">
+                <a14:hiddenLine xmlns="" xmlns:a14="http://schemas.microsoft.com/office/drawing/2010/main" w="9525">
                   <a:solidFill>
                     <a:srgbClr val="000000"/>
                   </a:solidFill>
@@ -2888,7 +2889,7 @@
             </a:ln>
             <a:extLst>
               <a:ext uri="{91240B29-F687-4f45-9708-019B960494DF}">
-                <a14:hiddenLine xmlns:a14="http://schemas.microsoft.com/office/drawing/2010/main" xmlns="" w="9525">
+                <a14:hiddenLine xmlns="" xmlns:a14="http://schemas.microsoft.com/office/drawing/2010/main" w="9525">
                   <a:solidFill>
                     <a:srgbClr val="000000"/>
                   </a:solidFill>
@@ -2950,7 +2951,7 @@
             </a:ln>
             <a:extLst>
               <a:ext uri="{91240B29-F687-4f45-9708-019B960494DF}">
-                <a14:hiddenLine xmlns:a14="http://schemas.microsoft.com/office/drawing/2010/main" xmlns="" w="9525">
+                <a14:hiddenLine xmlns="" xmlns:a14="http://schemas.microsoft.com/office/drawing/2010/main" w="9525">
                   <a:solidFill>
                     <a:srgbClr val="000000"/>
                   </a:solidFill>
@@ -3040,7 +3041,7 @@
             </a:ln>
             <a:extLst>
               <a:ext uri="{91240B29-F687-4f45-9708-019B960494DF}">
-                <a14:hiddenLine xmlns:a14="http://schemas.microsoft.com/office/drawing/2010/main" xmlns="" w="9525">
+                <a14:hiddenLine xmlns="" xmlns:a14="http://schemas.microsoft.com/office/drawing/2010/main" w="9525">
                   <a:solidFill>
                     <a:srgbClr val="000000"/>
                   </a:solidFill>
@@ -3102,7 +3103,7 @@
             </a:ln>
             <a:extLst>
               <a:ext uri="{91240B29-F687-4f45-9708-019B960494DF}">
-                <a14:hiddenLine xmlns:a14="http://schemas.microsoft.com/office/drawing/2010/main" xmlns="" w="9525">
+                <a14:hiddenLine xmlns="" xmlns:a14="http://schemas.microsoft.com/office/drawing/2010/main" w="9525">
                   <a:solidFill>
                     <a:srgbClr val="000000"/>
                   </a:solidFill>
@@ -3192,7 +3193,7 @@
             </a:ln>
             <a:extLst>
               <a:ext uri="{91240B29-F687-4f45-9708-019B960494DF}">
-                <a14:hiddenLine xmlns:a14="http://schemas.microsoft.com/office/drawing/2010/main" xmlns="" w="9525">
+                <a14:hiddenLine xmlns="" xmlns:a14="http://schemas.microsoft.com/office/drawing/2010/main" w="9525">
                   <a:solidFill>
                     <a:srgbClr val="000000"/>
                   </a:solidFill>
@@ -3226,7 +3227,7 @@
             </a:ln>
             <a:extLst>
               <a:ext uri="{91240B29-F687-4f45-9708-019B960494DF}">
-                <a14:hiddenLine xmlns:a14="http://schemas.microsoft.com/office/drawing/2010/main" xmlns="" w="9525">
+                <a14:hiddenLine xmlns="" xmlns:a14="http://schemas.microsoft.com/office/drawing/2010/main" w="9525">
                   <a:solidFill>
                     <a:srgbClr val="000000"/>
                   </a:solidFill>
@@ -3291,7 +3292,7 @@
             </a:ln>
             <a:extLst>
               <a:ext uri="{91240B29-F687-4f45-9708-019B960494DF}">
-                <a14:hiddenLine xmlns:a14="http://schemas.microsoft.com/office/drawing/2010/main" xmlns="" w="9525">
+                <a14:hiddenLine xmlns="" xmlns:a14="http://schemas.microsoft.com/office/drawing/2010/main" w="9525">
                   <a:solidFill>
                     <a:srgbClr val="000000"/>
                   </a:solidFill>
@@ -3381,7 +3382,7 @@
             </a:ln>
             <a:extLst>
               <a:ext uri="{91240B29-F687-4f45-9708-019B960494DF}">
-                <a14:hiddenLine xmlns:a14="http://schemas.microsoft.com/office/drawing/2010/main" xmlns="" w="9525">
+                <a14:hiddenLine xmlns="" xmlns:a14="http://schemas.microsoft.com/office/drawing/2010/main" w="9525">
                   <a:solidFill>
                     <a:srgbClr val="000000"/>
                   </a:solidFill>
@@ -3443,7 +3444,7 @@
             </a:ln>
             <a:extLst>
               <a:ext uri="{91240B29-F687-4f45-9708-019B960494DF}">
-                <a14:hiddenLine xmlns:a14="http://schemas.microsoft.com/office/drawing/2010/main" xmlns="" w="9525">
+                <a14:hiddenLine xmlns="" xmlns:a14="http://schemas.microsoft.com/office/drawing/2010/main" w="9525">
                   <a:solidFill>
                     <a:srgbClr val="000000"/>
                   </a:solidFill>
@@ -3533,7 +3534,7 @@
             </a:ln>
             <a:extLst>
               <a:ext uri="{91240B29-F687-4f45-9708-019B960494DF}">
-                <a14:hiddenLine xmlns:a14="http://schemas.microsoft.com/office/drawing/2010/main" xmlns="" w="9525">
+                <a14:hiddenLine xmlns="" xmlns:a14="http://schemas.microsoft.com/office/drawing/2010/main" w="9525">
                   <a:solidFill>
                     <a:srgbClr val="000000"/>
                   </a:solidFill>
@@ -3623,7 +3624,7 @@
             </a:ln>
             <a:extLst>
               <a:ext uri="{91240B29-F687-4f45-9708-019B960494DF}">
-                <a14:hiddenLine xmlns:a14="http://schemas.microsoft.com/office/drawing/2010/main" xmlns="" w="9525">
+                <a14:hiddenLine xmlns="" xmlns:a14="http://schemas.microsoft.com/office/drawing/2010/main" w="9525">
                   <a:solidFill>
                     <a:srgbClr val="000000"/>
                   </a:solidFill>
@@ -3688,7 +3689,7 @@
             </a:ln>
             <a:extLst>
               <a:ext uri="{91240B29-F687-4f45-9708-019B960494DF}">
-                <a14:hiddenLine xmlns:a14="http://schemas.microsoft.com/office/drawing/2010/main" xmlns="" w="9525">
+                <a14:hiddenLine xmlns="" xmlns:a14="http://schemas.microsoft.com/office/drawing/2010/main" w="9525">
                   <a:solidFill>
                     <a:srgbClr val="000000"/>
                   </a:solidFill>
@@ -3750,7 +3751,7 @@
             </a:ln>
             <a:extLst>
               <a:ext uri="{91240B29-F687-4f45-9708-019B960494DF}">
-                <a14:hiddenLine xmlns:a14="http://schemas.microsoft.com/office/drawing/2010/main" xmlns="" w="9525">
+                <a14:hiddenLine xmlns="" xmlns:a14="http://schemas.microsoft.com/office/drawing/2010/main" w="9525">
                   <a:solidFill>
                     <a:srgbClr val="000000"/>
                   </a:solidFill>
@@ -3840,7 +3841,7 @@
             </a:ln>
             <a:extLst>
               <a:ext uri="{91240B29-F687-4f45-9708-019B960494DF}">
-                <a14:hiddenLine xmlns:a14="http://schemas.microsoft.com/office/drawing/2010/main" xmlns="" w="9525">
+                <a14:hiddenLine xmlns="" xmlns:a14="http://schemas.microsoft.com/office/drawing/2010/main" w="9525">
                   <a:solidFill>
                     <a:srgbClr val="000000"/>
                   </a:solidFill>
@@ -3930,7 +3931,7 @@
             </a:ln>
             <a:extLst>
               <a:ext uri="{91240B29-F687-4f45-9708-019B960494DF}">
-                <a14:hiddenLine xmlns:a14="http://schemas.microsoft.com/office/drawing/2010/main" xmlns="" w="9525">
+                <a14:hiddenLine xmlns="" xmlns:a14="http://schemas.microsoft.com/office/drawing/2010/main" w="9525">
                   <a:solidFill>
                     <a:srgbClr val="000000"/>
                   </a:solidFill>
@@ -3992,7 +3993,7 @@
             </a:ln>
             <a:extLst>
               <a:ext uri="{91240B29-F687-4f45-9708-019B960494DF}">
-                <a14:hiddenLine xmlns:a14="http://schemas.microsoft.com/office/drawing/2010/main" xmlns="" w="9525">
+                <a14:hiddenLine xmlns="" xmlns:a14="http://schemas.microsoft.com/office/drawing/2010/main" w="9525">
                   <a:solidFill>
                     <a:srgbClr val="000000"/>
                   </a:solidFill>
@@ -4112,7 +4113,7 @@
             </a:ln>
             <a:extLst>
               <a:ext uri="{91240B29-F687-4f45-9708-019B960494DF}">
-                <a14:hiddenLine xmlns:a14="http://schemas.microsoft.com/office/drawing/2010/main" xmlns="" w="9525">
+                <a14:hiddenLine xmlns="" xmlns:a14="http://schemas.microsoft.com/office/drawing/2010/main" w="9525">
                   <a:solidFill>
                     <a:srgbClr val="000000"/>
                   </a:solidFill>
@@ -4180,7 +4181,7 @@
             </a:ln>
             <a:extLst>
               <a:ext uri="{91240B29-F687-4f45-9708-019B960494DF}">
-                <a14:hiddenLine xmlns:a14="http://schemas.microsoft.com/office/drawing/2010/main" xmlns="" w="9525">
+                <a14:hiddenLine xmlns="" xmlns:a14="http://schemas.microsoft.com/office/drawing/2010/main" w="9525">
                   <a:solidFill>
                     <a:srgbClr val="000000"/>
                   </a:solidFill>
@@ -4270,7 +4271,7 @@
             </a:ln>
             <a:extLst>
               <a:ext uri="{91240B29-F687-4f45-9708-019B960494DF}">
-                <a14:hiddenLine xmlns:a14="http://schemas.microsoft.com/office/drawing/2010/main" xmlns="" w="9525">
+                <a14:hiddenLine xmlns="" xmlns:a14="http://schemas.microsoft.com/office/drawing/2010/main" w="9525">
                   <a:solidFill>
                     <a:srgbClr val="000000"/>
                   </a:solidFill>
@@ -4410,7 +4411,7 @@
           <a:p>
             <a:fld id="{5BCAD085-E8A6-8845-BD4E-CB4CCA059FC4}" type="datetimeFigureOut">
               <a:rPr lang="en-US" smtClean="0"/>
-              <a:t>7/9/25</a:t>
+              <a:t>7/12/25</a:t>
             </a:fld>
             <a:endParaRPr lang="en-US"/>
           </a:p>
@@ -4677,7 +4678,7 @@
           <a:p>
             <a:fld id="{5BCAD085-E8A6-8845-BD4E-CB4CCA059FC4}" type="datetimeFigureOut">
               <a:rPr lang="en-US" smtClean="0"/>
-              <a:t>7/9/25</a:t>
+              <a:t>7/12/25</a:t>
             </a:fld>
             <a:endParaRPr lang="en-US"/>
           </a:p>
@@ -4873,7 +4874,7 @@
           <a:p>
             <a:fld id="{5BCAD085-E8A6-8845-BD4E-CB4CCA059FC4}" type="datetimeFigureOut">
               <a:rPr lang="en-US" smtClean="0"/>
-              <a:t>7/9/25</a:t>
+              <a:t>7/12/25</a:t>
             </a:fld>
             <a:endParaRPr lang="en-US"/>
           </a:p>
@@ -5136,7 +5137,7 @@
           <a:p>
             <a:fld id="{5BCAD085-E8A6-8845-BD4E-CB4CCA059FC4}" type="datetimeFigureOut">
               <a:rPr lang="en-US" smtClean="0"/>
-              <a:t>7/9/25</a:t>
+              <a:t>7/12/25</a:t>
             </a:fld>
             <a:endParaRPr lang="en-US"/>
           </a:p>
@@ -5570,7 +5571,7 @@
           <a:p>
             <a:fld id="{5BCAD085-E8A6-8845-BD4E-CB4CCA059FC4}" type="datetimeFigureOut">
               <a:rPr lang="en-US" smtClean="0"/>
-              <a:t>7/9/25</a:t>
+              <a:t>7/12/25</a:t>
             </a:fld>
             <a:endParaRPr lang="en-US"/>
           </a:p>
@@ -6116,7 +6117,7 @@
           <a:p>
             <a:fld id="{5BCAD085-E8A6-8845-BD4E-CB4CCA059FC4}" type="datetimeFigureOut">
               <a:rPr lang="en-US" smtClean="0"/>
-              <a:t>7/9/25</a:t>
+              <a:t>7/12/25</a:t>
             </a:fld>
             <a:endParaRPr lang="en-US"/>
           </a:p>
@@ -6836,7 +6837,7 @@
           <a:p>
             <a:fld id="{5BCAD085-E8A6-8845-BD4E-CB4CCA059FC4}" type="datetimeFigureOut">
               <a:rPr lang="en-US" smtClean="0"/>
-              <a:t>7/9/25</a:t>
+              <a:t>7/12/25</a:t>
             </a:fld>
             <a:endParaRPr lang="en-US"/>
           </a:p>
@@ -7010,7 +7011,7 @@
           <a:p>
             <a:fld id="{5BCAD085-E8A6-8845-BD4E-CB4CCA059FC4}" type="datetimeFigureOut">
               <a:rPr lang="en-US" smtClean="0"/>
-              <a:t>7/9/25</a:t>
+              <a:t>7/12/25</a:t>
             </a:fld>
             <a:endParaRPr lang="en-US"/>
           </a:p>
@@ -7190,7 +7191,7 @@
           <a:p>
             <a:fld id="{5BCAD085-E8A6-8845-BD4E-CB4CCA059FC4}" type="datetimeFigureOut">
               <a:rPr lang="en-US" smtClean="0"/>
-              <a:t>7/9/25</a:t>
+              <a:t>7/12/25</a:t>
             </a:fld>
             <a:endParaRPr lang="en-US"/>
           </a:p>
@@ -7375,7 +7376,7 @@
           <a:p>
             <a:fld id="{5BCAD085-E8A6-8845-BD4E-CB4CCA059FC4}" type="datetimeFigureOut">
               <a:rPr lang="en-US" smtClean="0"/>
-              <a:t>7/9/25</a:t>
+              <a:t>7/12/25</a:t>
             </a:fld>
             <a:endParaRPr lang="en-US"/>
           </a:p>
@@ -7635,7 +7636,7 @@
           <a:p>
             <a:fld id="{5BCAD085-E8A6-8845-BD4E-CB4CCA059FC4}" type="datetimeFigureOut">
               <a:rPr lang="en-US" smtClean="0"/>
-              <a:t>7/9/25</a:t>
+              <a:t>7/12/25</a:t>
             </a:fld>
             <a:endParaRPr lang="en-US"/>
           </a:p>
@@ -7867,7 +7868,7 @@
           <a:p>
             <a:fld id="{5BCAD085-E8A6-8845-BD4E-CB4CCA059FC4}" type="datetimeFigureOut">
               <a:rPr lang="en-US" smtClean="0"/>
-              <a:t>7/9/25</a:t>
+              <a:t>7/12/25</a:t>
             </a:fld>
             <a:endParaRPr lang="en-US"/>
           </a:p>
@@ -8248,7 +8249,7 @@
           <a:p>
             <a:fld id="{5BCAD085-E8A6-8845-BD4E-CB4CCA059FC4}" type="datetimeFigureOut">
               <a:rPr lang="en-US" smtClean="0"/>
-              <a:t>7/9/25</a:t>
+              <a:t>7/12/25</a:t>
             </a:fld>
             <a:endParaRPr lang="en-US"/>
           </a:p>
@@ -8366,7 +8367,7 @@
           <a:p>
             <a:fld id="{5BCAD085-E8A6-8845-BD4E-CB4CCA059FC4}" type="datetimeFigureOut">
               <a:rPr lang="en-US" smtClean="0"/>
-              <a:t>7/9/25</a:t>
+              <a:t>7/12/25</a:t>
             </a:fld>
             <a:endParaRPr lang="en-US"/>
           </a:p>
@@ -8461,7 +8462,7 @@
           <a:p>
             <a:fld id="{5BCAD085-E8A6-8845-BD4E-CB4CCA059FC4}" type="datetimeFigureOut">
               <a:rPr lang="en-US" smtClean="0"/>
-              <a:t>7/9/25</a:t>
+              <a:t>7/12/25</a:t>
             </a:fld>
             <a:endParaRPr lang="en-US"/>
           </a:p>
@@ -8710,7 +8711,7 @@
           <a:p>
             <a:fld id="{5BCAD085-E8A6-8845-BD4E-CB4CCA059FC4}" type="datetimeFigureOut">
               <a:rPr lang="en-US" smtClean="0"/>
-              <a:t>7/9/25</a:t>
+              <a:t>7/12/25</a:t>
             </a:fld>
             <a:endParaRPr lang="en-US"/>
           </a:p>
@@ -8962,7 +8963,7 @@
           <a:p>
             <a:fld id="{5BCAD085-E8A6-8845-BD4E-CB4CCA059FC4}" type="datetimeFigureOut">
               <a:rPr lang="en-US" smtClean="0"/>
-              <a:t>7/9/25</a:t>
+              <a:t>7/12/25</a:t>
             </a:fld>
             <a:endParaRPr lang="en-US"/>
           </a:p>
@@ -9085,7 +9086,7 @@
           <a:noFill/>
           <a:extLst>
             <a:ext uri="{909E8E84-426E-40dd-AFC4-6F175D3DCCD1}">
-              <a14:hiddenFill xmlns:a14="http://schemas.microsoft.com/office/drawing/2010/main" xmlns="">
+              <a14:hiddenFill xmlns="" xmlns:a14="http://schemas.microsoft.com/office/drawing/2010/main">
                 <a:solidFill>
                   <a:srgbClr val="FFFFFF"/>
                 </a:solidFill>
@@ -9159,7 +9160,7 @@
               </a:ln>
               <a:extLst>
                 <a:ext uri="{91240B29-F687-4f45-9708-019B960494DF}">
-                  <a14:hiddenLine xmlns:a14="http://schemas.microsoft.com/office/drawing/2010/main" xmlns="" w="9525">
+                  <a14:hiddenLine xmlns="" xmlns:a14="http://schemas.microsoft.com/office/drawing/2010/main" w="9525">
                     <a:solidFill>
                       <a:srgbClr val="000000"/>
                     </a:solidFill>
@@ -9249,7 +9250,7 @@
               </a:ln>
               <a:extLst>
                 <a:ext uri="{91240B29-F687-4f45-9708-019B960494DF}">
-                  <a14:hiddenLine xmlns:a14="http://schemas.microsoft.com/office/drawing/2010/main" xmlns="" w="9525">
+                  <a14:hiddenLine xmlns="" xmlns:a14="http://schemas.microsoft.com/office/drawing/2010/main" w="9525">
                     <a:solidFill>
                       <a:srgbClr val="000000"/>
                     </a:solidFill>
@@ -9339,7 +9340,7 @@
               </a:ln>
               <a:extLst>
                 <a:ext uri="{91240B29-F687-4f45-9708-019B960494DF}">
-                  <a14:hiddenLine xmlns:a14="http://schemas.microsoft.com/office/drawing/2010/main" xmlns="" w="9525">
+                  <a14:hiddenLine xmlns="" xmlns:a14="http://schemas.microsoft.com/office/drawing/2010/main" w="9525">
                     <a:solidFill>
                       <a:srgbClr val="000000"/>
                     </a:solidFill>
@@ -9401,7 +9402,7 @@
               </a:ln>
               <a:extLst>
                 <a:ext uri="{91240B29-F687-4f45-9708-019B960494DF}">
-                  <a14:hiddenLine xmlns:a14="http://schemas.microsoft.com/office/drawing/2010/main" xmlns="" w="9525">
+                  <a14:hiddenLine xmlns="" xmlns:a14="http://schemas.microsoft.com/office/drawing/2010/main" w="9525">
                     <a:solidFill>
                       <a:srgbClr val="000000"/>
                     </a:solidFill>
@@ -9491,7 +9492,7 @@
               </a:ln>
               <a:extLst>
                 <a:ext uri="{91240B29-F687-4f45-9708-019B960494DF}">
-                  <a14:hiddenLine xmlns:a14="http://schemas.microsoft.com/office/drawing/2010/main" xmlns="" w="9525">
+                  <a14:hiddenLine xmlns="" xmlns:a14="http://schemas.microsoft.com/office/drawing/2010/main" w="9525">
                     <a:solidFill>
                       <a:srgbClr val="000000"/>
                     </a:solidFill>
@@ -9553,7 +9554,7 @@
               </a:ln>
               <a:extLst>
                 <a:ext uri="{91240B29-F687-4f45-9708-019B960494DF}">
-                  <a14:hiddenLine xmlns:a14="http://schemas.microsoft.com/office/drawing/2010/main" xmlns="" w="9525">
+                  <a14:hiddenLine xmlns="" xmlns:a14="http://schemas.microsoft.com/office/drawing/2010/main" w="9525">
                     <a:solidFill>
                       <a:srgbClr val="000000"/>
                     </a:solidFill>
@@ -9615,7 +9616,7 @@
               </a:ln>
               <a:extLst>
                 <a:ext uri="{91240B29-F687-4f45-9708-019B960494DF}">
-                  <a14:hiddenLine xmlns:a14="http://schemas.microsoft.com/office/drawing/2010/main" xmlns="" w="9525">
+                  <a14:hiddenLine xmlns="" xmlns:a14="http://schemas.microsoft.com/office/drawing/2010/main" w="9525">
                     <a:solidFill>
                       <a:srgbClr val="000000"/>
                     </a:solidFill>
@@ -9705,7 +9706,7 @@
               </a:ln>
               <a:extLst>
                 <a:ext uri="{91240B29-F687-4f45-9708-019B960494DF}">
-                  <a14:hiddenLine xmlns:a14="http://schemas.microsoft.com/office/drawing/2010/main" xmlns="" w="9525">
+                  <a14:hiddenLine xmlns="" xmlns:a14="http://schemas.microsoft.com/office/drawing/2010/main" w="9525">
                     <a:solidFill>
                       <a:srgbClr val="000000"/>
                     </a:solidFill>
@@ -9795,7 +9796,7 @@
               </a:ln>
               <a:extLst>
                 <a:ext uri="{91240B29-F687-4f45-9708-019B960494DF}">
-                  <a14:hiddenLine xmlns:a14="http://schemas.microsoft.com/office/drawing/2010/main" xmlns="" w="9525">
+                  <a14:hiddenLine xmlns="" xmlns:a14="http://schemas.microsoft.com/office/drawing/2010/main" w="9525">
                     <a:solidFill>
                       <a:srgbClr val="000000"/>
                     </a:solidFill>
@@ -9857,7 +9858,7 @@
               </a:ln>
               <a:extLst>
                 <a:ext uri="{91240B29-F687-4f45-9708-019B960494DF}">
-                  <a14:hiddenLine xmlns:a14="http://schemas.microsoft.com/office/drawing/2010/main" xmlns="" w="9525">
+                  <a14:hiddenLine xmlns="" xmlns:a14="http://schemas.microsoft.com/office/drawing/2010/main" w="9525">
                     <a:solidFill>
                       <a:srgbClr val="000000"/>
                     </a:solidFill>
@@ -9967,7 +9968,7 @@
               </a:ln>
               <a:extLst>
                 <a:ext uri="{91240B29-F687-4f45-9708-019B960494DF}">
-                  <a14:hiddenLine xmlns:a14="http://schemas.microsoft.com/office/drawing/2010/main" xmlns="" w="9525">
+                  <a14:hiddenLine xmlns="" xmlns:a14="http://schemas.microsoft.com/office/drawing/2010/main" w="9525">
                     <a:solidFill>
                       <a:srgbClr val="000000"/>
                     </a:solidFill>
@@ -10051,7 +10052,7 @@
               </a:ln>
               <a:extLst>
                 <a:ext uri="{91240B29-F687-4f45-9708-019B960494DF}">
-                  <a14:hiddenLine xmlns:a14="http://schemas.microsoft.com/office/drawing/2010/main" xmlns="" w="9525">
+                  <a14:hiddenLine xmlns="" xmlns:a14="http://schemas.microsoft.com/office/drawing/2010/main" w="9525">
                     <a:solidFill>
                       <a:srgbClr val="000000"/>
                     </a:solidFill>
@@ -10113,7 +10114,7 @@
               </a:ln>
               <a:extLst>
                 <a:ext uri="{91240B29-F687-4f45-9708-019B960494DF}">
-                  <a14:hiddenLine xmlns:a14="http://schemas.microsoft.com/office/drawing/2010/main" xmlns="" w="9525">
+                  <a14:hiddenLine xmlns="" xmlns:a14="http://schemas.microsoft.com/office/drawing/2010/main" w="9525">
                     <a:solidFill>
                       <a:srgbClr val="000000"/>
                     </a:solidFill>
@@ -10175,7 +10176,7 @@
               </a:ln>
               <a:extLst>
                 <a:ext uri="{91240B29-F687-4f45-9708-019B960494DF}">
-                  <a14:hiddenLine xmlns:a14="http://schemas.microsoft.com/office/drawing/2010/main" xmlns="" w="9525">
+                  <a14:hiddenLine xmlns="" xmlns:a14="http://schemas.microsoft.com/office/drawing/2010/main" w="9525">
                     <a:solidFill>
                       <a:srgbClr val="000000"/>
                     </a:solidFill>
@@ -10265,7 +10266,7 @@
               </a:ln>
               <a:extLst>
                 <a:ext uri="{91240B29-F687-4f45-9708-019B960494DF}">
-                  <a14:hiddenLine xmlns:a14="http://schemas.microsoft.com/office/drawing/2010/main" xmlns="" w="9525">
+                  <a14:hiddenLine xmlns="" xmlns:a14="http://schemas.microsoft.com/office/drawing/2010/main" w="9525">
                     <a:solidFill>
                       <a:srgbClr val="000000"/>
                     </a:solidFill>
@@ -10299,7 +10300,7 @@
               </a:ln>
               <a:extLst>
                 <a:ext uri="{91240B29-F687-4f45-9708-019B960494DF}">
-                  <a14:hiddenLine xmlns:a14="http://schemas.microsoft.com/office/drawing/2010/main" xmlns="" w="9525">
+                  <a14:hiddenLine xmlns="" xmlns:a14="http://schemas.microsoft.com/office/drawing/2010/main" w="9525">
                     <a:solidFill>
                       <a:srgbClr val="000000"/>
                     </a:solidFill>
@@ -10364,7 +10365,7 @@
               </a:ln>
               <a:extLst>
                 <a:ext uri="{91240B29-F687-4f45-9708-019B960494DF}">
-                  <a14:hiddenLine xmlns:a14="http://schemas.microsoft.com/office/drawing/2010/main" xmlns="" w="9525">
+                  <a14:hiddenLine xmlns="" xmlns:a14="http://schemas.microsoft.com/office/drawing/2010/main" w="9525">
                     <a:solidFill>
                       <a:srgbClr val="000000"/>
                     </a:solidFill>
@@ -10454,7 +10455,7 @@
               </a:ln>
               <a:extLst>
                 <a:ext uri="{91240B29-F687-4f45-9708-019B960494DF}">
-                  <a14:hiddenLine xmlns:a14="http://schemas.microsoft.com/office/drawing/2010/main" xmlns="" w="9525">
+                  <a14:hiddenLine xmlns="" xmlns:a14="http://schemas.microsoft.com/office/drawing/2010/main" w="9525">
                     <a:solidFill>
                       <a:srgbClr val="000000"/>
                     </a:solidFill>
@@ -10516,7 +10517,7 @@
               </a:ln>
               <a:extLst>
                 <a:ext uri="{91240B29-F687-4f45-9708-019B960494DF}">
-                  <a14:hiddenLine xmlns:a14="http://schemas.microsoft.com/office/drawing/2010/main" xmlns="" w="9525">
+                  <a14:hiddenLine xmlns="" xmlns:a14="http://schemas.microsoft.com/office/drawing/2010/main" w="9525">
                     <a:solidFill>
                       <a:srgbClr val="000000"/>
                     </a:solidFill>
@@ -10606,7 +10607,7 @@
               </a:ln>
               <a:extLst>
                 <a:ext uri="{91240B29-F687-4f45-9708-019B960494DF}">
-                  <a14:hiddenLine xmlns:a14="http://schemas.microsoft.com/office/drawing/2010/main" xmlns="" w="9525">
+                  <a14:hiddenLine xmlns="" xmlns:a14="http://schemas.microsoft.com/office/drawing/2010/main" w="9525">
                     <a:solidFill>
                       <a:srgbClr val="000000"/>
                     </a:solidFill>
@@ -10671,7 +10672,7 @@
               </a:ln>
               <a:extLst>
                 <a:ext uri="{91240B29-F687-4f45-9708-019B960494DF}">
-                  <a14:hiddenLine xmlns:a14="http://schemas.microsoft.com/office/drawing/2010/main" xmlns="" w="9525">
+                  <a14:hiddenLine xmlns="" xmlns:a14="http://schemas.microsoft.com/office/drawing/2010/main" w="9525">
                     <a:solidFill>
                       <a:srgbClr val="000000"/>
                     </a:solidFill>
@@ -10733,7 +10734,7 @@
               </a:ln>
               <a:extLst>
                 <a:ext uri="{91240B29-F687-4f45-9708-019B960494DF}">
-                  <a14:hiddenLine xmlns:a14="http://schemas.microsoft.com/office/drawing/2010/main" xmlns="" w="9525">
+                  <a14:hiddenLine xmlns="" xmlns:a14="http://schemas.microsoft.com/office/drawing/2010/main" w="9525">
                     <a:solidFill>
                       <a:srgbClr val="000000"/>
                     </a:solidFill>
@@ -10823,7 +10824,7 @@
               </a:ln>
               <a:extLst>
                 <a:ext uri="{91240B29-F687-4f45-9708-019B960494DF}">
-                  <a14:hiddenLine xmlns:a14="http://schemas.microsoft.com/office/drawing/2010/main" xmlns="" w="9525">
+                  <a14:hiddenLine xmlns="" xmlns:a14="http://schemas.microsoft.com/office/drawing/2010/main" w="9525">
                     <a:solidFill>
                       <a:srgbClr val="000000"/>
                     </a:solidFill>
@@ -10913,7 +10914,7 @@
               </a:ln>
               <a:extLst>
                 <a:ext uri="{91240B29-F687-4f45-9708-019B960494DF}">
-                  <a14:hiddenLine xmlns:a14="http://schemas.microsoft.com/office/drawing/2010/main" xmlns="" w="9525">
+                  <a14:hiddenLine xmlns="" xmlns:a14="http://schemas.microsoft.com/office/drawing/2010/main" w="9525">
                     <a:solidFill>
                       <a:srgbClr val="000000"/>
                     </a:solidFill>
@@ -10978,7 +10979,7 @@
               </a:ln>
               <a:extLst>
                 <a:ext uri="{91240B29-F687-4f45-9708-019B960494DF}">
-                  <a14:hiddenLine xmlns:a14="http://schemas.microsoft.com/office/drawing/2010/main" xmlns="" w="9525">
+                  <a14:hiddenLine xmlns="" xmlns:a14="http://schemas.microsoft.com/office/drawing/2010/main" w="9525">
                     <a:solidFill>
                       <a:srgbClr val="000000"/>
                     </a:solidFill>
@@ -11098,7 +11099,7 @@
               </a:ln>
               <a:extLst>
                 <a:ext uri="{91240B29-F687-4f45-9708-019B960494DF}">
-                  <a14:hiddenLine xmlns:a14="http://schemas.microsoft.com/office/drawing/2010/main" xmlns="" w="9525">
+                  <a14:hiddenLine xmlns="" xmlns:a14="http://schemas.microsoft.com/office/drawing/2010/main" w="9525">
                     <a:solidFill>
                       <a:srgbClr val="000000"/>
                     </a:solidFill>
@@ -11196,7 +11197,7 @@
               </a:ln>
               <a:extLst>
                 <a:ext uri="{91240B29-F687-4f45-9708-019B960494DF}">
-                  <a14:hiddenLine xmlns:a14="http://schemas.microsoft.com/office/drawing/2010/main" xmlns="" w="9525">
+                  <a14:hiddenLine xmlns="" xmlns:a14="http://schemas.microsoft.com/office/drawing/2010/main" w="9525">
                     <a:solidFill>
                       <a:srgbClr val="000000"/>
                     </a:solidFill>
@@ -11311,7 +11312,7 @@
               </a:ln>
               <a:extLst>
                 <a:ext uri="{91240B29-F687-4f45-9708-019B960494DF}">
-                  <a14:hiddenLine xmlns:a14="http://schemas.microsoft.com/office/drawing/2010/main" xmlns="" w="9525">
+                  <a14:hiddenLine xmlns="" xmlns:a14="http://schemas.microsoft.com/office/drawing/2010/main" w="9525">
                     <a:solidFill>
                       <a:srgbClr val="000000"/>
                     </a:solidFill>
@@ -11401,7 +11402,7 @@
               </a:ln>
               <a:extLst>
                 <a:ext uri="{91240B29-F687-4f45-9708-019B960494DF}">
-                  <a14:hiddenLine xmlns:a14="http://schemas.microsoft.com/office/drawing/2010/main" xmlns="" w="9525">
+                  <a14:hiddenLine xmlns="" xmlns:a14="http://schemas.microsoft.com/office/drawing/2010/main" w="9525">
                     <a:solidFill>
                       <a:srgbClr val="000000"/>
                     </a:solidFill>
@@ -11466,7 +11467,7 @@
               </a:ln>
               <a:extLst>
                 <a:ext uri="{91240B29-F687-4f45-9708-019B960494DF}">
-                  <a14:hiddenLine xmlns:a14="http://schemas.microsoft.com/office/drawing/2010/main" xmlns="" w="9525">
+                  <a14:hiddenLine xmlns="" xmlns:a14="http://schemas.microsoft.com/office/drawing/2010/main" w="9525">
                     <a:solidFill>
                       <a:srgbClr val="000000"/>
                     </a:solidFill>
@@ -11556,7 +11557,7 @@
               </a:ln>
               <a:extLst>
                 <a:ext uri="{91240B29-F687-4f45-9708-019B960494DF}">
-                  <a14:hiddenLine xmlns:a14="http://schemas.microsoft.com/office/drawing/2010/main" xmlns="" w="9525">
+                  <a14:hiddenLine xmlns="" xmlns:a14="http://schemas.microsoft.com/office/drawing/2010/main" w="9525">
                     <a:solidFill>
                       <a:srgbClr val="000000"/>
                     </a:solidFill>
@@ -11624,7 +11625,7 @@
               </a:ln>
               <a:extLst>
                 <a:ext uri="{91240B29-F687-4f45-9708-019B960494DF}">
-                  <a14:hiddenLine xmlns:a14="http://schemas.microsoft.com/office/drawing/2010/main" xmlns="" w="9525">
+                  <a14:hiddenLine xmlns="" xmlns:a14="http://schemas.microsoft.com/office/drawing/2010/main" w="9525">
                     <a:solidFill>
                       <a:srgbClr val="000000"/>
                     </a:solidFill>
@@ -11714,7 +11715,7 @@
               </a:ln>
               <a:extLst>
                 <a:ext uri="{91240B29-F687-4f45-9708-019B960494DF}">
-                  <a14:hiddenLine xmlns:a14="http://schemas.microsoft.com/office/drawing/2010/main" xmlns="" w="9525">
+                  <a14:hiddenLine xmlns="" xmlns:a14="http://schemas.microsoft.com/office/drawing/2010/main" w="9525">
                     <a:solidFill>
                       <a:srgbClr val="000000"/>
                     </a:solidFill>
@@ -11782,7 +11783,7 @@
               </a:ln>
               <a:extLst>
                 <a:ext uri="{91240B29-F687-4f45-9708-019B960494DF}">
-                  <a14:hiddenLine xmlns:a14="http://schemas.microsoft.com/office/drawing/2010/main" xmlns="" w="9525">
+                  <a14:hiddenLine xmlns="" xmlns:a14="http://schemas.microsoft.com/office/drawing/2010/main" w="9525">
                     <a:solidFill>
                       <a:srgbClr val="000000"/>
                     </a:solidFill>
@@ -11872,7 +11873,7 @@
               </a:ln>
               <a:extLst>
                 <a:ext uri="{91240B29-F687-4f45-9708-019B960494DF}">
-                  <a14:hiddenLine xmlns:a14="http://schemas.microsoft.com/office/drawing/2010/main" xmlns="" w="9525">
+                  <a14:hiddenLine xmlns="" xmlns:a14="http://schemas.microsoft.com/office/drawing/2010/main" w="9525">
                     <a:solidFill>
                       <a:srgbClr val="000000"/>
                     </a:solidFill>
@@ -11906,7 +11907,7 @@
               </a:ln>
               <a:extLst>
                 <a:ext uri="{91240B29-F687-4f45-9708-019B960494DF}">
-                  <a14:hiddenLine xmlns:a14="http://schemas.microsoft.com/office/drawing/2010/main" xmlns="" w="9525">
+                  <a14:hiddenLine xmlns="" xmlns:a14="http://schemas.microsoft.com/office/drawing/2010/main" w="9525">
                     <a:solidFill>
                       <a:srgbClr val="000000"/>
                     </a:solidFill>
@@ -12046,7 +12047,7 @@
           <a:p>
             <a:fld id="{5BCAD085-E8A6-8845-BD4E-CB4CCA059FC4}" type="datetimeFigureOut">
               <a:rPr lang="en-US" smtClean="0"/>
-              <a:t>7/9/25</a:t>
+              <a:t>7/12/25</a:t>
             </a:fld>
             <a:endParaRPr lang="en-US"/>
           </a:p>
@@ -12861,8 +12862,8 @@
         </p:nvSpPr>
         <p:spPr>
           <a:xfrm>
-            <a:off x="4572000" y="5479832"/>
-            <a:ext cx="4572000" cy="646331"/>
+            <a:off x="6320125" y="5559317"/>
+            <a:ext cx="1965434" cy="646331"/>
           </a:xfrm>
           <a:prstGeom prst="rect">
             <a:avLst/>
@@ -22317,6 +22318,309 @@
 </file>
 
 <file path=ppt/slides/slide5.xml><?xml version="1.0" encoding="utf-8"?>
+<p:sld xmlns:a="http://schemas.openxmlformats.org/drawingml/2006/main" xmlns:r="http://schemas.openxmlformats.org/officeDocument/2006/relationships" xmlns:p="http://schemas.openxmlformats.org/presentationml/2006/main">
+  <p:cSld>
+    <p:spTree>
+      <p:nvGrpSpPr>
+        <p:cNvPr id="1" name="">
+          <a:extLst>
+            <a:ext uri="{FF2B5EF4-FFF2-40B4-BE49-F238E27FC236}">
+              <a16:creationId xmlns:a16="http://schemas.microsoft.com/office/drawing/2014/main" id="{6E0E7912-019F-C25B-A578-2AAEA0B0187F}"/>
+            </a:ext>
+          </a:extLst>
+        </p:cNvPr>
+        <p:cNvGrpSpPr/>
+        <p:nvPr/>
+      </p:nvGrpSpPr>
+      <p:grpSpPr>
+        <a:xfrm>
+          <a:off x="0" y="0"/>
+          <a:ext cx="0" cy="0"/>
+          <a:chOff x="0" y="0"/>
+          <a:chExt cx="0" cy="0"/>
+        </a:xfrm>
+      </p:grpSpPr>
+      <p:sp>
+        <p:nvSpPr>
+          <p:cNvPr id="2" name="Title 1">
+            <a:extLst>
+              <a:ext uri="{FF2B5EF4-FFF2-40B4-BE49-F238E27FC236}">
+                <a16:creationId xmlns:a16="http://schemas.microsoft.com/office/drawing/2014/main" id="{AD4D85C2-95C2-6645-B54E-D36B45F162E5}"/>
+              </a:ext>
+            </a:extLst>
+          </p:cNvPr>
+          <p:cNvSpPr>
+            <a:spLocks noGrp="1"/>
+          </p:cNvSpPr>
+          <p:nvPr>
+            <p:ph type="title"/>
+          </p:nvPr>
+        </p:nvSpPr>
+        <p:spPr/>
+        <p:txBody>
+          <a:bodyPr/>
+          <a:lstStyle/>
+          <a:p>
+            <a:r>
+              <a:rPr lang="en-US" dirty="0"/>
+              <a:t>Supplier Eval and Selection Criteria</a:t>
+            </a:r>
+            <a:endParaRPr dirty="0"/>
+          </a:p>
+        </p:txBody>
+      </p:sp>
+      <p:sp>
+        <p:nvSpPr>
+          <p:cNvPr id="4" name="TextBox 3">
+            <a:extLst>
+              <a:ext uri="{FF2B5EF4-FFF2-40B4-BE49-F238E27FC236}">
+                <a16:creationId xmlns:a16="http://schemas.microsoft.com/office/drawing/2014/main" id="{73A90DFE-EA0F-0246-2413-247AD20E9033}"/>
+              </a:ext>
+            </a:extLst>
+          </p:cNvPr>
+          <p:cNvSpPr txBox="1"/>
+          <p:nvPr/>
+        </p:nvSpPr>
+        <p:spPr>
+          <a:xfrm>
+            <a:off x="856060" y="2097088"/>
+            <a:ext cx="7993650" cy="3539430"/>
+          </a:xfrm>
+          <a:prstGeom prst="rect">
+            <a:avLst/>
+          </a:prstGeom>
+          <a:noFill/>
+        </p:spPr>
+        <p:txBody>
+          <a:bodyPr wrap="square">
+            <a:spAutoFit/>
+          </a:bodyPr>
+          <a:lstStyle/>
+          <a:p>
+            <a:pPr>
+              <a:buNone/>
+            </a:pPr>
+            <a:r>
+              <a:rPr lang="en-US" sz="1400" b="1" dirty="0"/>
+              <a:t>Business Initiative:</a:t>
+            </a:r>
+            <a:br>
+              <a:rPr lang="en-US" sz="1400" dirty="0"/>
+            </a:br>
+            <a:r>
+              <a:rPr lang="en-US" sz="1400" dirty="0"/>
+              <a:t>Shift to a </a:t>
+            </a:r>
+            <a:r>
+              <a:rPr lang="en-US" sz="1400" b="1" dirty="0"/>
+              <a:t>dual-sourcing model</a:t>
+            </a:r>
+            <a:r>
+              <a:rPr lang="en-US" sz="1400" dirty="0"/>
+              <a:t> by Q4 to reduce overreliance on a single supplier and improve delivery reliability.</a:t>
+            </a:r>
+          </a:p>
+          <a:p>
+            <a:pPr>
+              <a:buNone/>
+            </a:pPr>
+            <a:r>
+              <a:rPr lang="en-US" sz="1400" b="1" dirty="0"/>
+              <a:t>Supplier Strategy Guidelines:</a:t>
+            </a:r>
+            <a:endParaRPr lang="en-US" sz="1400" dirty="0"/>
+          </a:p>
+          <a:p>
+            <a:pPr>
+              <a:buFont typeface="Arial" panose="020B0604020202020204" pitchFamily="34" charset="0"/>
+              <a:buChar char="•"/>
+            </a:pPr>
+            <a:r>
+              <a:rPr lang="en-US" sz="1400" dirty="0"/>
+              <a:t>📦 </a:t>
+            </a:r>
+            <a:r>
+              <a:rPr lang="en-US" sz="1400" b="1" dirty="0"/>
+              <a:t>Primary Supplier (</a:t>
+            </a:r>
+            <a:r>
+              <a:rPr lang="en-US" sz="1400" b="1" dirty="0" err="1"/>
+              <a:t>GlowSource</a:t>
+            </a:r>
+            <a:r>
+              <a:rPr lang="en-US" sz="1400" b="1" dirty="0"/>
+              <a:t> Ltd.)</a:t>
+            </a:r>
+            <a:r>
+              <a:rPr lang="en-US" sz="1400" dirty="0"/>
+              <a:t>: Maintains highest volume allocation due to historical reliability and consistent quality.</a:t>
+            </a:r>
+          </a:p>
+          <a:p>
+            <a:pPr>
+              <a:buFont typeface="Arial" panose="020B0604020202020204" pitchFamily="34" charset="0"/>
+              <a:buChar char="•"/>
+            </a:pPr>
+            <a:r>
+              <a:rPr lang="en-US" sz="1400" dirty="0"/>
+              <a:t>🚨 </a:t>
+            </a:r>
+            <a:r>
+              <a:rPr lang="en-US" sz="1400" b="1" dirty="0"/>
+              <a:t>Secondary Supplier (</a:t>
+            </a:r>
+            <a:r>
+              <a:rPr lang="en-US" sz="1400" b="1" dirty="0" err="1"/>
+              <a:t>NovaBeauty</a:t>
+            </a:r>
+            <a:r>
+              <a:rPr lang="en-US" sz="1400" b="1" dirty="0"/>
+              <a:t> Inc.)</a:t>
+            </a:r>
+            <a:r>
+              <a:rPr lang="en-US" sz="1400" dirty="0"/>
+              <a:t>: Recently added for contingency support; used only when:</a:t>
+            </a:r>
+          </a:p>
+          <a:p>
+            <a:pPr marL="742950" lvl="1" indent="-285750">
+              <a:buFont typeface="Arial" panose="020B0604020202020204" pitchFamily="34" charset="0"/>
+              <a:buChar char="•"/>
+            </a:pPr>
+            <a:r>
+              <a:rPr lang="en-US" sz="1400" dirty="0" err="1"/>
+              <a:t>lead_time</a:t>
+            </a:r>
+            <a:r>
+              <a:rPr lang="en-US" sz="1400" dirty="0"/>
+              <a:t> from </a:t>
+            </a:r>
+            <a:r>
+              <a:rPr lang="en-US" sz="1400" dirty="0" err="1"/>
+              <a:t>GlowSource</a:t>
+            </a:r>
+            <a:r>
+              <a:rPr lang="en-US" sz="1400" dirty="0"/>
+              <a:t> &gt; 12 days</a:t>
+            </a:r>
+          </a:p>
+          <a:p>
+            <a:pPr marL="742950" lvl="1" indent="-285750">
+              <a:buFont typeface="Arial" panose="020B0604020202020204" pitchFamily="34" charset="0"/>
+              <a:buChar char="•"/>
+            </a:pPr>
+            <a:r>
+              <a:rPr lang="en-US" sz="1400" dirty="0"/>
+              <a:t>or </a:t>
+            </a:r>
+            <a:r>
+              <a:rPr lang="en-US" sz="1400" dirty="0" err="1"/>
+              <a:t>defect_rate</a:t>
+            </a:r>
+            <a:r>
+              <a:rPr lang="en-US" sz="1400" dirty="0"/>
+              <a:t> &gt; 2.5%</a:t>
+            </a:r>
+          </a:p>
+          <a:p>
+            <a:pPr>
+              <a:buNone/>
+            </a:pPr>
+            <a:r>
+              <a:rPr lang="en-US" sz="1400" b="1" dirty="0"/>
+              <a:t>Important Considerations:</a:t>
+            </a:r>
+            <a:endParaRPr lang="en-US" sz="1400" dirty="0"/>
+          </a:p>
+          <a:p>
+            <a:pPr>
+              <a:buFont typeface="Arial" panose="020B0604020202020204" pitchFamily="34" charset="0"/>
+              <a:buChar char="•"/>
+            </a:pPr>
+            <a:r>
+              <a:rPr lang="en-US" sz="1400" dirty="0"/>
+              <a:t>Supplier choice is </a:t>
+            </a:r>
+            <a:r>
+              <a:rPr lang="en-US" sz="1400" i="1" dirty="0"/>
+              <a:t>not directly reflected</a:t>
+            </a:r>
+            <a:r>
+              <a:rPr lang="en-US" sz="1400" dirty="0"/>
+              <a:t> in order volume—it depends on real-time </a:t>
+            </a:r>
+            <a:r>
+              <a:rPr lang="en-US" sz="1400" dirty="0" err="1"/>
+              <a:t>lead_time</a:t>
+            </a:r>
+            <a:r>
+              <a:rPr lang="en-US" sz="1400" dirty="0"/>
+              <a:t> and inspection-based </a:t>
+            </a:r>
+            <a:r>
+              <a:rPr lang="en-US" sz="1400" dirty="0" err="1"/>
+              <a:t>defect_rate</a:t>
+            </a:r>
+            <a:r>
+              <a:rPr lang="en-US" sz="1400" dirty="0"/>
+              <a:t>.</a:t>
+            </a:r>
+          </a:p>
+          <a:p>
+            <a:pPr>
+              <a:buFont typeface="Arial" panose="020B0604020202020204" pitchFamily="34" charset="0"/>
+              <a:buChar char="•"/>
+            </a:pPr>
+            <a:r>
+              <a:rPr lang="en-US" sz="1400" dirty="0"/>
+              <a:t>Orders routed through </a:t>
+            </a:r>
+            <a:r>
+              <a:rPr lang="en-US" sz="1400" dirty="0" err="1"/>
+              <a:t>NovaBeauty</a:t>
+            </a:r>
+            <a:r>
+              <a:rPr lang="en-US" sz="1400" dirty="0"/>
+              <a:t> typically incur +8% higher </a:t>
+            </a:r>
+            <a:r>
+              <a:rPr lang="en-US" sz="1400" dirty="0" err="1"/>
+              <a:t>shipping_cost</a:t>
+            </a:r>
+            <a:r>
+              <a:rPr lang="en-US" sz="1400" dirty="0"/>
+              <a:t>.</a:t>
+            </a:r>
+          </a:p>
+          <a:p>
+            <a:r>
+              <a:rPr lang="en-US" sz="1400" b="1" dirty="0"/>
+              <a:t>Business Objective:</a:t>
+            </a:r>
+            <a:br>
+              <a:rPr lang="en-US" sz="1400" dirty="0"/>
+            </a:br>
+            <a:r>
+              <a:rPr lang="en-US" sz="1400" dirty="0"/>
+              <a:t>Maintain service levels above 95% while optimizing cost per unit and reducing production delays during Q3–Q4 promotional campaigns.</a:t>
+            </a:r>
+          </a:p>
+        </p:txBody>
+      </p:sp>
+    </p:spTree>
+    <p:extLst>
+      <p:ext uri="{BB962C8B-B14F-4D97-AF65-F5344CB8AC3E}">
+        <p14:creationId xmlns:p14="http://schemas.microsoft.com/office/powerpoint/2010/main" val="3970452953"/>
+      </p:ext>
+    </p:extLst>
+  </p:cSld>
+  <p:clrMapOvr>
+    <a:masterClrMapping/>
+  </p:clrMapOvr>
+</p:sld>
+</file>
+
+<file path=ppt/slides/slide6.xml><?xml version="1.0" encoding="utf-8"?>
 <p:sld xmlns:a="http://schemas.openxmlformats.org/drawingml/2006/main" xmlns:r="http://schemas.openxmlformats.org/officeDocument/2006/relationships" xmlns:p="http://schemas.openxmlformats.org/presentationml/2006/main">
   <p:cSld>
     <p:spTree>
